--- a/Group3_Presentation_29APR19.pptx
+++ b/Group3_Presentation_29APR19.pptx
@@ -1342,7 +1342,7 @@
           <a:p>
             <a:fld id="{BB4FE3ED-27CA-4756-B6B0-B78BF22B8456}" type="datetimeFigureOut">
               <a:rPr lang="en-US" smtClean="0"/>
-              <a:t>4/29/2019</a:t>
+              <a:t>4/29/19</a:t>
             </a:fld>
             <a:endParaRPr lang="en-US"/>
           </a:p>
@@ -1795,7 +1795,7 @@
           <a:p>
             <a:fld id="{F97DA7E6-B359-448B-8184-4D40930FFF76}" type="datetime1">
               <a:rPr lang="en-US" smtClean="0"/>
-              <a:t>4/29/2019</a:t>
+              <a:t>4/29/19</a:t>
             </a:fld>
             <a:endParaRPr lang="en-US"/>
           </a:p>
@@ -2070,7 +2070,7 @@
           <a:p>
             <a:fld id="{C7E88C58-CF72-4909-B224-5DE51257E26E}" type="datetime1">
               <a:rPr lang="en-US" smtClean="0"/>
-              <a:t>4/29/2019</a:t>
+              <a:t>4/29/19</a:t>
             </a:fld>
             <a:endParaRPr lang="en-US"/>
           </a:p>
@@ -2264,7 +2264,7 @@
           <a:p>
             <a:fld id="{50C5B75D-DDBE-4C4D-B672-BE019911EE63}" type="datetime1">
               <a:rPr lang="en-US" smtClean="0"/>
-              <a:t>4/29/2019</a:t>
+              <a:t>4/29/19</a:t>
             </a:fld>
             <a:endParaRPr lang="en-US"/>
           </a:p>
@@ -2537,7 +2537,7 @@
           <a:p>
             <a:fld id="{D890E2B3-9DD5-48D4-B95E-45D48A50A5B5}" type="datetime1">
               <a:rPr lang="en-US" smtClean="0"/>
-              <a:t>4/29/2019</a:t>
+              <a:t>4/29/19</a:t>
             </a:fld>
             <a:endParaRPr lang="en-US"/>
           </a:p>
@@ -2878,7 +2878,7 @@
           <a:p>
             <a:fld id="{B961647B-EFFD-4E5E-83F5-1F32765D82E1}" type="datetime1">
               <a:rPr lang="en-US" smtClean="0"/>
-              <a:t>4/29/2019</a:t>
+              <a:t>4/29/19</a:t>
             </a:fld>
             <a:endParaRPr lang="en-US"/>
           </a:p>
@@ -3501,7 +3501,7 @@
           <a:p>
             <a:fld id="{30DA15D4-32C1-4C49-8D0D-151D6BFBF41C}" type="datetime1">
               <a:rPr lang="en-US" smtClean="0"/>
-              <a:t>4/29/2019</a:t>
+              <a:t>4/29/19</a:t>
             </a:fld>
             <a:endParaRPr lang="en-US"/>
           </a:p>
@@ -4361,7 +4361,7 @@
           <a:p>
             <a:fld id="{8637628E-B2AE-4A49-BC09-8C087E4C1264}" type="datetime1">
               <a:rPr lang="en-US" smtClean="0"/>
-              <a:t>4/29/2019</a:t>
+              <a:t>4/29/19</a:t>
             </a:fld>
             <a:endParaRPr lang="en-US"/>
           </a:p>
@@ -4531,7 +4531,7 @@
           <a:p>
             <a:fld id="{F6917787-7187-46C6-8BA4-DFADB699CEE4}" type="datetime1">
               <a:rPr lang="en-US" smtClean="0"/>
-              <a:t>4/29/2019</a:t>
+              <a:t>4/29/19</a:t>
             </a:fld>
             <a:endParaRPr lang="en-US"/>
           </a:p>
@@ -4711,7 +4711,7 @@
           <a:p>
             <a:fld id="{531CB675-D7E5-49BA-A20E-57AA53BC0EBB}" type="datetime1">
               <a:rPr lang="en-US" smtClean="0"/>
-              <a:t>4/29/2019</a:t>
+              <a:t>4/29/19</a:t>
             </a:fld>
             <a:endParaRPr lang="en-US"/>
           </a:p>
@@ -4881,7 +4881,7 @@
           <a:p>
             <a:fld id="{CCD70C61-FAED-4615-A3CE-8DF02ACF238E}" type="datetime1">
               <a:rPr lang="en-US" smtClean="0"/>
-              <a:t>4/29/2019</a:t>
+              <a:t>4/29/19</a:t>
             </a:fld>
             <a:endParaRPr lang="en-US"/>
           </a:p>
@@ -5128,7 +5128,7 @@
           <a:p>
             <a:fld id="{D4723C67-448C-4F85-A419-58B360ED9D33}" type="datetime1">
               <a:rPr lang="en-US" smtClean="0"/>
-              <a:t>4/29/2019</a:t>
+              <a:t>4/29/19</a:t>
             </a:fld>
             <a:endParaRPr lang="en-US"/>
           </a:p>
@@ -5420,7 +5420,7 @@
           <a:p>
             <a:fld id="{6228CA67-B618-496D-8E07-969A3350C161}" type="datetime1">
               <a:rPr lang="en-US" smtClean="0"/>
-              <a:t>4/29/2019</a:t>
+              <a:t>4/29/19</a:t>
             </a:fld>
             <a:endParaRPr lang="en-US"/>
           </a:p>
@@ -5864,7 +5864,7 @@
           <a:p>
             <a:fld id="{6CFC3666-5FC2-4D9A-B644-D76F55F61FCC}" type="datetime1">
               <a:rPr lang="en-US" smtClean="0"/>
-              <a:t>4/29/2019</a:t>
+              <a:t>4/29/19</a:t>
             </a:fld>
             <a:endParaRPr lang="en-US"/>
           </a:p>
@@ -5982,7 +5982,7 @@
           <a:p>
             <a:fld id="{4714C6E6-96CD-4AD1-8593-B4832ABF463B}" type="datetime1">
               <a:rPr lang="en-US" smtClean="0"/>
-              <a:t>4/29/2019</a:t>
+              <a:t>4/29/19</a:t>
             </a:fld>
             <a:endParaRPr lang="en-US"/>
           </a:p>
@@ -6077,7 +6077,7 @@
           <a:p>
             <a:fld id="{66454E1D-99CD-4C14-B43B-71F6BB42D4C1}" type="datetime1">
               <a:rPr lang="en-US" smtClean="0"/>
-              <a:t>4/29/2019</a:t>
+              <a:t>4/29/19</a:t>
             </a:fld>
             <a:endParaRPr lang="en-US"/>
           </a:p>
@@ -6356,7 +6356,7 @@
           <a:p>
             <a:fld id="{81355736-881B-4E65-B403-D38B53E2708E}" type="datetime1">
               <a:rPr lang="en-US" smtClean="0"/>
-              <a:t>4/29/2019</a:t>
+              <a:t>4/29/19</a:t>
             </a:fld>
             <a:endParaRPr lang="en-US"/>
           </a:p>
@@ -6631,7 +6631,7 @@
           <a:p>
             <a:fld id="{4035AFE4-E1F8-4C25-88CA-EE0F16E9E47A}" type="datetime1">
               <a:rPr lang="en-US" smtClean="0"/>
-              <a:t>4/29/2019</a:t>
+              <a:t>4/29/19</a:t>
             </a:fld>
             <a:endParaRPr lang="en-US"/>
           </a:p>
@@ -7060,7 +7060,7 @@
           <a:p>
             <a:fld id="{356F40B0-05EC-4FED-9855-9D7F104C630D}" type="datetime1">
               <a:rPr lang="en-US" smtClean="0"/>
-              <a:t>4/29/2019</a:t>
+              <a:t>4/29/19</a:t>
             </a:fld>
             <a:endParaRPr lang="en-US"/>
           </a:p>
@@ -11620,36 +11620,6 @@
           </a:p>
         </p:txBody>
       </p:sp>
-      <p:pic>
-        <p:nvPicPr>
-          <p:cNvPr id="5" name="Picture 4">
-            <a:extLst>
-              <a:ext uri="{FF2B5EF4-FFF2-40B4-BE49-F238E27FC236}">
-                <a16:creationId xmlns:a16="http://schemas.microsoft.com/office/drawing/2014/main" id="{8E2AF83A-00E3-4BE4-B949-C63D80FD6270}"/>
-              </a:ext>
-            </a:extLst>
-          </p:cNvPr>
-          <p:cNvPicPr>
-            <a:picLocks noChangeAspect="1"/>
-          </p:cNvPicPr>
-          <p:nvPr/>
-        </p:nvPicPr>
-        <p:blipFill>
-          <a:blip r:embed="rId2"/>
-          <a:stretch>
-            <a:fillRect/>
-          </a:stretch>
-        </p:blipFill>
-        <p:spPr>
-          <a:xfrm>
-            <a:off x="3779319" y="2023611"/>
-            <a:ext cx="4633362" cy="4541914"/>
-          </a:xfrm>
-          <a:prstGeom prst="rect">
-            <a:avLst/>
-          </a:prstGeom>
-        </p:spPr>
-      </p:pic>
       <p:sp>
         <p:nvSpPr>
           <p:cNvPr id="7" name="Content Placeholder 2">
@@ -12212,50 +12182,36 @@
           </a:p>
         </p:txBody>
       </p:sp>
-      <p:cxnSp>
-        <p:nvCxnSpPr>
-          <p:cNvPr id="12" name="Straight Connector 11">
+      <p:pic>
+        <p:nvPicPr>
+          <p:cNvPr id="6" name="Picture 5">
             <a:extLst>
               <a:ext uri="{FF2B5EF4-FFF2-40B4-BE49-F238E27FC236}">
-                <a16:creationId xmlns:a16="http://schemas.microsoft.com/office/drawing/2014/main" id="{0452DD3C-22E2-4695-BA44-9E0171F2C49E}"/>
+                <a16:creationId xmlns:a16="http://schemas.microsoft.com/office/drawing/2014/main" id="{FE3593D1-5696-524C-BFBF-60FD36830F8D}"/>
               </a:ext>
             </a:extLst>
           </p:cNvPr>
-          <p:cNvCxnSpPr>
-            <a:cxnSpLocks/>
-          </p:cNvCxnSpPr>
+          <p:cNvPicPr>
+            <a:picLocks noChangeAspect="1"/>
+          </p:cNvPicPr>
           <p:nvPr/>
-        </p:nvCxnSpPr>
+        </p:nvPicPr>
+        <p:blipFill>
+          <a:blip r:embed="rId2"/>
+          <a:stretch>
+            <a:fillRect/>
+          </a:stretch>
+        </p:blipFill>
         <p:spPr>
-          <a:xfrm flipV="1">
-            <a:off x="4309353" y="2370044"/>
-            <a:ext cx="3832698" cy="3729200"/>
+          <a:xfrm>
+            <a:off x="3707771" y="2025698"/>
+            <a:ext cx="4704911" cy="4539827"/>
           </a:xfrm>
-          <a:prstGeom prst="line">
+          <a:prstGeom prst="rect">
             <a:avLst/>
           </a:prstGeom>
-          <a:ln>
-            <a:solidFill>
-              <a:schemeClr val="bg1"/>
-            </a:solidFill>
-            <a:prstDash val="dash"/>
-          </a:ln>
         </p:spPr>
-        <p:style>
-          <a:lnRef idx="1">
-            <a:schemeClr val="accent1"/>
-          </a:lnRef>
-          <a:fillRef idx="0">
-            <a:schemeClr val="accent1"/>
-          </a:fillRef>
-          <a:effectRef idx="0">
-            <a:schemeClr val="accent1"/>
-          </a:effectRef>
-          <a:fontRef idx="minor">
-            <a:schemeClr val="tx1"/>
-          </a:fontRef>
-        </p:style>
-      </p:cxnSp>
+      </p:pic>
     </p:spTree>
     <p:extLst>
       <p:ext uri="{BB962C8B-B14F-4D97-AF65-F5344CB8AC3E}">
